--- a/Chapter3/Figures/Fig5.pptx
+++ b/Chapter3/Figures/Fig5.pptx
@@ -7,7 +7,7 @@
   <p:sldIdLst>
     <p:sldId id="256" r:id="rId2"/>
   </p:sldIdLst>
-  <p:sldSz cx="3240088" cy="5580063"/>
+  <p:sldSz cx="3240088" cy="5221288"/>
   <p:notesSz cx="6858000" cy="9144000"/>
   <p:defaultTextStyle>
     <a:defPPr>
@@ -136,8 +136,8 @@
         </p:nvSpPr>
         <p:spPr>
           <a:xfrm>
-            <a:off x="243009" y="1733438"/>
-            <a:ext cx="2754075" cy="1196097"/>
+            <a:off x="243010" y="1621986"/>
+            <a:ext cx="2754075" cy="1119193"/>
           </a:xfrm>
         </p:spPr>
         <p:txBody>
@@ -164,8 +164,8 @@
         </p:nvSpPr>
         <p:spPr>
           <a:xfrm>
-            <a:off x="486013" y="3162035"/>
-            <a:ext cx="2268062" cy="1426017"/>
+            <a:off x="486013" y="2958730"/>
+            <a:ext cx="2268062" cy="1334330"/>
           </a:xfrm>
         </p:spPr>
         <p:txBody>
@@ -288,7 +288,7 @@
           <a:p>
             <a:fld id="{31BDF364-3212-42C5-AA89-12DEB8B2D1C6}" type="datetimeFigureOut">
               <a:rPr lang="en-GB" smtClean="0"/>
-              <a:t>13/06/2014</a:t>
+              <a:t>01/09/2014</a:t>
             </a:fld>
             <a:endParaRPr lang="en-GB"/>
           </a:p>
@@ -458,7 +458,7 @@
           <a:p>
             <a:fld id="{31BDF364-3212-42C5-AA89-12DEB8B2D1C6}" type="datetimeFigureOut">
               <a:rPr lang="en-GB" smtClean="0"/>
-              <a:t>13/06/2014</a:t>
+              <a:t>01/09/2014</a:t>
             </a:fld>
             <a:endParaRPr lang="en-GB"/>
           </a:p>
@@ -548,8 +548,8 @@
         </p:nvSpPr>
         <p:spPr>
           <a:xfrm>
-            <a:off x="832524" y="175670"/>
-            <a:ext cx="258195" cy="3749751"/>
+            <a:off x="832524" y="164375"/>
+            <a:ext cx="258195" cy="3508658"/>
           </a:xfrm>
         </p:spPr>
         <p:txBody>
@@ -576,8 +576,8 @@
         </p:nvSpPr>
         <p:spPr>
           <a:xfrm>
-            <a:off x="57379" y="175670"/>
-            <a:ext cx="721145" cy="3749751"/>
+            <a:off x="57381" y="164375"/>
+            <a:ext cx="721145" cy="3508658"/>
           </a:xfrm>
         </p:spPr>
         <p:txBody>
@@ -638,7 +638,7 @@
           <a:p>
             <a:fld id="{31BDF364-3212-42C5-AA89-12DEB8B2D1C6}" type="datetimeFigureOut">
               <a:rPr lang="en-GB" smtClean="0"/>
-              <a:t>13/06/2014</a:t>
+              <a:t>01/09/2014</a:t>
             </a:fld>
             <a:endParaRPr lang="en-GB"/>
           </a:p>
@@ -808,7 +808,7 @@
           <a:p>
             <a:fld id="{31BDF364-3212-42C5-AA89-12DEB8B2D1C6}" type="datetimeFigureOut">
               <a:rPr lang="en-GB" smtClean="0"/>
-              <a:t>13/06/2014</a:t>
+              <a:t>01/09/2014</a:t>
             </a:fld>
             <a:endParaRPr lang="en-GB"/>
           </a:p>
@@ -898,8 +898,8 @@
         </p:nvSpPr>
         <p:spPr>
           <a:xfrm>
-            <a:off x="255947" y="3585708"/>
-            <a:ext cx="2754075" cy="1108262"/>
+            <a:off x="255949" y="3355161"/>
+            <a:ext cx="2754075" cy="1037006"/>
           </a:xfrm>
         </p:spPr>
         <p:txBody>
@@ -930,8 +930,8 @@
         </p:nvSpPr>
         <p:spPr>
           <a:xfrm>
-            <a:off x="255947" y="2365070"/>
-            <a:ext cx="2754075" cy="1220638"/>
+            <a:off x="255949" y="2213006"/>
+            <a:ext cx="2754075" cy="1142156"/>
           </a:xfrm>
         </p:spPr>
         <p:txBody>
@@ -1054,7 +1054,7 @@
           <a:p>
             <a:fld id="{31BDF364-3212-42C5-AA89-12DEB8B2D1C6}" type="datetimeFigureOut">
               <a:rPr lang="en-GB" smtClean="0"/>
-              <a:t>13/06/2014</a:t>
+              <a:t>01/09/2014</a:t>
             </a:fld>
             <a:endParaRPr lang="en-GB"/>
           </a:p>
@@ -1167,8 +1167,8 @@
         </p:nvSpPr>
         <p:spPr>
           <a:xfrm>
-            <a:off x="57377" y="1025596"/>
-            <a:ext cx="489388" cy="2899825"/>
+            <a:off x="57377" y="959655"/>
+            <a:ext cx="489388" cy="2713378"/>
           </a:xfrm>
         </p:spPr>
         <p:txBody>
@@ -1252,8 +1252,8 @@
         </p:nvSpPr>
         <p:spPr>
           <a:xfrm>
-            <a:off x="600767" y="1025596"/>
-            <a:ext cx="489951" cy="2899825"/>
+            <a:off x="600767" y="959655"/>
+            <a:ext cx="489951" cy="2713378"/>
           </a:xfrm>
         </p:spPr>
         <p:txBody>
@@ -1342,7 +1342,7 @@
           <a:p>
             <a:fld id="{31BDF364-3212-42C5-AA89-12DEB8B2D1C6}" type="datetimeFigureOut">
               <a:rPr lang="en-GB" smtClean="0"/>
-              <a:t>13/06/2014</a:t>
+              <a:t>01/09/2014</a:t>
             </a:fld>
             <a:endParaRPr lang="en-GB"/>
           </a:p>
@@ -1432,8 +1432,8 @@
         </p:nvSpPr>
         <p:spPr>
           <a:xfrm>
-            <a:off x="162007" y="223462"/>
-            <a:ext cx="2916079" cy="930011"/>
+            <a:off x="162008" y="209095"/>
+            <a:ext cx="2916079" cy="870216"/>
           </a:xfrm>
         </p:spPr>
         <p:txBody>
@@ -1464,8 +1464,8 @@
         </p:nvSpPr>
         <p:spPr>
           <a:xfrm>
-            <a:off x="162004" y="1249056"/>
-            <a:ext cx="1431602" cy="520547"/>
+            <a:off x="162004" y="1168748"/>
+            <a:ext cx="1431602" cy="487078"/>
           </a:xfrm>
         </p:spPr>
         <p:txBody>
@@ -1529,8 +1529,8 @@
         </p:nvSpPr>
         <p:spPr>
           <a:xfrm>
-            <a:off x="162004" y="1769604"/>
-            <a:ext cx="1431602" cy="3214995"/>
+            <a:off x="162004" y="1655827"/>
+            <a:ext cx="1431602" cy="3008284"/>
           </a:xfrm>
         </p:spPr>
         <p:txBody>
@@ -1614,8 +1614,8 @@
         </p:nvSpPr>
         <p:spPr>
           <a:xfrm>
-            <a:off x="1645920" y="1249056"/>
-            <a:ext cx="1432164" cy="520547"/>
+            <a:off x="1645920" y="1168748"/>
+            <a:ext cx="1432164" cy="487078"/>
           </a:xfrm>
         </p:spPr>
         <p:txBody>
@@ -1679,8 +1679,8 @@
         </p:nvSpPr>
         <p:spPr>
           <a:xfrm>
-            <a:off x="1645920" y="1769604"/>
-            <a:ext cx="1432164" cy="3214995"/>
+            <a:off x="1645920" y="1655827"/>
+            <a:ext cx="1432164" cy="3008284"/>
           </a:xfrm>
         </p:spPr>
         <p:txBody>
@@ -1769,7 +1769,7 @@
           <a:p>
             <a:fld id="{31BDF364-3212-42C5-AA89-12DEB8B2D1C6}" type="datetimeFigureOut">
               <a:rPr lang="en-GB" smtClean="0"/>
-              <a:t>13/06/2014</a:t>
+              <a:t>01/09/2014</a:t>
             </a:fld>
             <a:endParaRPr lang="en-GB"/>
           </a:p>
@@ -1887,7 +1887,7 @@
           <a:p>
             <a:fld id="{31BDF364-3212-42C5-AA89-12DEB8B2D1C6}" type="datetimeFigureOut">
               <a:rPr lang="en-GB" smtClean="0"/>
-              <a:t>13/06/2014</a:t>
+              <a:t>01/09/2014</a:t>
             </a:fld>
             <a:endParaRPr lang="en-GB"/>
           </a:p>
@@ -1982,7 +1982,7 @@
           <a:p>
             <a:fld id="{31BDF364-3212-42C5-AA89-12DEB8B2D1C6}" type="datetimeFigureOut">
               <a:rPr lang="en-GB" smtClean="0"/>
-              <a:t>13/06/2014</a:t>
+              <a:t>01/09/2014</a:t>
             </a:fld>
             <a:endParaRPr lang="en-GB"/>
           </a:p>
@@ -2072,8 +2072,8 @@
         </p:nvSpPr>
         <p:spPr>
           <a:xfrm>
-            <a:off x="162006" y="222170"/>
-            <a:ext cx="1065967" cy="945510"/>
+            <a:off x="162008" y="207886"/>
+            <a:ext cx="1065967" cy="884717"/>
           </a:xfrm>
         </p:spPr>
         <p:txBody>
@@ -2104,8 +2104,8 @@
         </p:nvSpPr>
         <p:spPr>
           <a:xfrm>
-            <a:off x="1266787" y="222170"/>
-            <a:ext cx="1811299" cy="4762429"/>
+            <a:off x="1266789" y="207886"/>
+            <a:ext cx="1811299" cy="4456224"/>
           </a:xfrm>
         </p:spPr>
         <p:txBody>
@@ -2189,8 +2189,8 @@
         </p:nvSpPr>
         <p:spPr>
           <a:xfrm>
-            <a:off x="162006" y="1167681"/>
-            <a:ext cx="1065967" cy="3816918"/>
+            <a:off x="162008" y="1092604"/>
+            <a:ext cx="1065967" cy="3571506"/>
           </a:xfrm>
         </p:spPr>
         <p:txBody>
@@ -2259,7 +2259,7 @@
           <a:p>
             <a:fld id="{31BDF364-3212-42C5-AA89-12DEB8B2D1C6}" type="datetimeFigureOut">
               <a:rPr lang="en-GB" smtClean="0"/>
-              <a:t>13/06/2014</a:t>
+              <a:t>01/09/2014</a:t>
             </a:fld>
             <a:endParaRPr lang="en-GB"/>
           </a:p>
@@ -2349,8 +2349,8 @@
         </p:nvSpPr>
         <p:spPr>
           <a:xfrm>
-            <a:off x="635082" y="3906045"/>
-            <a:ext cx="1944053" cy="461130"/>
+            <a:off x="635084" y="3654902"/>
+            <a:ext cx="1944053" cy="431482"/>
           </a:xfrm>
         </p:spPr>
         <p:txBody>
@@ -2381,8 +2381,8 @@
         </p:nvSpPr>
         <p:spPr>
           <a:xfrm>
-            <a:off x="635082" y="498590"/>
-            <a:ext cx="1944053" cy="3348038"/>
+            <a:off x="635084" y="466532"/>
+            <a:ext cx="1944053" cy="3132773"/>
           </a:xfrm>
         </p:spPr>
         <p:txBody>
@@ -2442,8 +2442,8 @@
         </p:nvSpPr>
         <p:spPr>
           <a:xfrm>
-            <a:off x="635082" y="4367175"/>
-            <a:ext cx="1944053" cy="654883"/>
+            <a:off x="635084" y="4086385"/>
+            <a:ext cx="1944053" cy="612776"/>
           </a:xfrm>
         </p:spPr>
         <p:txBody>
@@ -2512,7 +2512,7 @@
           <a:p>
             <a:fld id="{31BDF364-3212-42C5-AA89-12DEB8B2D1C6}" type="datetimeFigureOut">
               <a:rPr lang="en-GB" smtClean="0"/>
-              <a:t>13/06/2014</a:t>
+              <a:t>01/09/2014</a:t>
             </a:fld>
             <a:endParaRPr lang="en-GB"/>
           </a:p>
@@ -2607,8 +2607,8 @@
         </p:nvSpPr>
         <p:spPr>
           <a:xfrm>
-            <a:off x="162007" y="223462"/>
-            <a:ext cx="2916079" cy="930011"/>
+            <a:off x="162008" y="209095"/>
+            <a:ext cx="2916079" cy="870216"/>
           </a:xfrm>
           <a:prstGeom prst="rect">
             <a:avLst/>
@@ -2640,8 +2640,8 @@
         </p:nvSpPr>
         <p:spPr>
           <a:xfrm>
-            <a:off x="162007" y="1302016"/>
-            <a:ext cx="2916079" cy="3682584"/>
+            <a:off x="162008" y="1218302"/>
+            <a:ext cx="2916079" cy="3445809"/>
           </a:xfrm>
           <a:prstGeom prst="rect">
             <a:avLst/>
@@ -2702,8 +2702,8 @@
         </p:nvSpPr>
         <p:spPr>
           <a:xfrm>
-            <a:off x="162006" y="5171892"/>
-            <a:ext cx="756021" cy="297087"/>
+            <a:off x="162008" y="4839361"/>
+            <a:ext cx="756021" cy="277985"/>
           </a:xfrm>
           <a:prstGeom prst="rect">
             <a:avLst/>
@@ -2725,7 +2725,7 @@
           <a:p>
             <a:fld id="{31BDF364-3212-42C5-AA89-12DEB8B2D1C6}" type="datetimeFigureOut">
               <a:rPr lang="en-GB" smtClean="0"/>
-              <a:t>13/06/2014</a:t>
+              <a:t>01/09/2014</a:t>
             </a:fld>
             <a:endParaRPr lang="en-GB"/>
           </a:p>
@@ -2743,8 +2743,8 @@
         </p:nvSpPr>
         <p:spPr>
           <a:xfrm>
-            <a:off x="1107030" y="5171892"/>
-            <a:ext cx="1026028" cy="297087"/>
+            <a:off x="1107030" y="4839361"/>
+            <a:ext cx="1026028" cy="277985"/>
           </a:xfrm>
           <a:prstGeom prst="rect">
             <a:avLst/>
@@ -2780,8 +2780,8 @@
         </p:nvSpPr>
         <p:spPr>
           <a:xfrm>
-            <a:off x="2322065" y="5171892"/>
-            <a:ext cx="756021" cy="297087"/>
+            <a:off x="2322067" y="4839361"/>
+            <a:ext cx="756021" cy="277985"/>
           </a:xfrm>
           <a:prstGeom prst="rect">
             <a:avLst/>
@@ -3102,13 +3102,13 @@
       </p:grpSpPr>
       <p:pic>
         <p:nvPicPr>
-          <p:cNvPr id="7" name="Picture 2"/>
+          <p:cNvPr id="9" name="Picture 2"/>
           <p:cNvPicPr>
             <a:picLocks noChangeAspect="1" noChangeArrowheads="1"/>
           </p:cNvPicPr>
           <p:nvPr/>
         </p:nvPicPr>
-        <p:blipFill>
+        <p:blipFill rotWithShape="1">
           <a:blip r:embed="rId2">
             <a:extLst>
               <a:ext uri="{28A0092B-C50C-407E-A947-70E740481C1C}">
@@ -3116,15 +3116,13 @@
               </a:ext>
             </a:extLst>
           </a:blip>
-          <a:srcRect/>
-          <a:stretch>
-            <a:fillRect/>
-          </a:stretch>
+          <a:srcRect b="7238"/>
+          <a:stretch/>
         </p:blipFill>
         <p:spPr bwMode="auto">
           <a:xfrm>
-            <a:off x="-10969" y="20409"/>
-            <a:ext cx="3438525" cy="5534025"/>
+            <a:off x="-10969" y="29935"/>
+            <a:ext cx="3438525" cy="5133482"/>
           </a:xfrm>
           <a:prstGeom prst="rect">
             <a:avLst/>
@@ -3154,6 +3152,66 @@
           </a:extLst>
         </p:spPr>
       </p:pic>
+      <p:sp>
+        <p:nvSpPr>
+          <p:cNvPr id="10" name="TextBox 9"/>
+          <p:cNvSpPr txBox="1"/>
+          <p:nvPr/>
+        </p:nvSpPr>
+        <p:spPr>
+          <a:xfrm>
+            <a:off x="689878" y="-40522"/>
+            <a:ext cx="432048" cy="323165"/>
+          </a:xfrm>
+          <a:prstGeom prst="rect">
+            <a:avLst/>
+          </a:prstGeom>
+          <a:noFill/>
+        </p:spPr>
+        <p:txBody>
+          <a:bodyPr wrap="square" rtlCol="0">
+            <a:spAutoFit/>
+          </a:bodyPr>
+          <a:lstStyle/>
+          <a:p>
+            <a:r>
+              <a:rPr lang="en-GB" sz="1500" dirty="0" smtClean="0"/>
+              <a:t>(a)</a:t>
+            </a:r>
+            <a:endParaRPr lang="en-GB" sz="1500" dirty="0"/>
+          </a:p>
+        </p:txBody>
+      </p:sp>
+      <p:sp>
+        <p:nvSpPr>
+          <p:cNvPr id="11" name="TextBox 10"/>
+          <p:cNvSpPr txBox="1"/>
+          <p:nvPr/>
+        </p:nvSpPr>
+        <p:spPr>
+          <a:xfrm>
+            <a:off x="2052092" y="-40522"/>
+            <a:ext cx="432048" cy="323165"/>
+          </a:xfrm>
+          <a:prstGeom prst="rect">
+            <a:avLst/>
+          </a:prstGeom>
+          <a:noFill/>
+        </p:spPr>
+        <p:txBody>
+          <a:bodyPr wrap="square" rtlCol="0">
+            <a:spAutoFit/>
+          </a:bodyPr>
+          <a:lstStyle/>
+          <a:p>
+            <a:r>
+              <a:rPr lang="en-GB" sz="1500" dirty="0" smtClean="0"/>
+              <a:t>(b)</a:t>
+            </a:r>
+            <a:endParaRPr lang="en-GB" sz="1500" dirty="0"/>
+          </a:p>
+        </p:txBody>
+      </p:sp>
     </p:spTree>
     <p:extLst>
       <p:ext uri="{BB962C8B-B14F-4D97-AF65-F5344CB8AC3E}">
